--- a/lecture-slides/2019-11-15-oop.pptx
+++ b/lecture-slides/2019-11-15-oop.pptx
@@ -216,7 +216,7 @@
           <a:p>
             <a:fld id="{A677DEB0-5AA4-49C7-B0AD-AD047A002C4C}" type="datetimeFigureOut">
               <a:rPr lang="en-US" smtClean="0"/>
-              <a:t>11/13/2019</a:t>
+              <a:t>11/15/2019</a:t>
             </a:fld>
             <a:endParaRPr lang="en-US"/>
           </a:p>
@@ -966,7 +966,7 @@
           <a:p>
             <a:fld id="{1B52E0E1-344B-4E26-B5AD-CE86AB802485}" type="datetimeFigureOut">
               <a:rPr lang="en-US" smtClean="0"/>
-              <a:t>11/13/2019</a:t>
+              <a:t>11/15/2019</a:t>
             </a:fld>
             <a:endParaRPr lang="en-US"/>
           </a:p>
@@ -1164,7 +1164,7 @@
           <a:p>
             <a:fld id="{1B52E0E1-344B-4E26-B5AD-CE86AB802485}" type="datetimeFigureOut">
               <a:rPr lang="en-US" smtClean="0"/>
-              <a:t>11/13/2019</a:t>
+              <a:t>11/15/2019</a:t>
             </a:fld>
             <a:endParaRPr lang="en-US"/>
           </a:p>
@@ -1372,7 +1372,7 @@
           <a:p>
             <a:fld id="{1B52E0E1-344B-4E26-B5AD-CE86AB802485}" type="datetimeFigureOut">
               <a:rPr lang="en-US" smtClean="0"/>
-              <a:t>11/13/2019</a:t>
+              <a:t>11/15/2019</a:t>
             </a:fld>
             <a:endParaRPr lang="en-US"/>
           </a:p>
@@ -1570,7 +1570,7 @@
           <a:p>
             <a:fld id="{1B52E0E1-344B-4E26-B5AD-CE86AB802485}" type="datetimeFigureOut">
               <a:rPr lang="en-US" smtClean="0"/>
-              <a:t>11/13/2019</a:t>
+              <a:t>11/15/2019</a:t>
             </a:fld>
             <a:endParaRPr lang="en-US"/>
           </a:p>
@@ -1845,7 +1845,7 @@
           <a:p>
             <a:fld id="{1B52E0E1-344B-4E26-B5AD-CE86AB802485}" type="datetimeFigureOut">
               <a:rPr lang="en-US" smtClean="0"/>
-              <a:t>11/13/2019</a:t>
+              <a:t>11/15/2019</a:t>
             </a:fld>
             <a:endParaRPr lang="en-US"/>
           </a:p>
@@ -2110,7 +2110,7 @@
           <a:p>
             <a:fld id="{1B52E0E1-344B-4E26-B5AD-CE86AB802485}" type="datetimeFigureOut">
               <a:rPr lang="en-US" smtClean="0"/>
-              <a:t>11/13/2019</a:t>
+              <a:t>11/15/2019</a:t>
             </a:fld>
             <a:endParaRPr lang="en-US"/>
           </a:p>
@@ -2522,7 +2522,7 @@
           <a:p>
             <a:fld id="{1B52E0E1-344B-4E26-B5AD-CE86AB802485}" type="datetimeFigureOut">
               <a:rPr lang="en-US" smtClean="0"/>
-              <a:t>11/13/2019</a:t>
+              <a:t>11/15/2019</a:t>
             </a:fld>
             <a:endParaRPr lang="en-US"/>
           </a:p>
@@ -2663,7 +2663,7 @@
           <a:p>
             <a:fld id="{1B52E0E1-344B-4E26-B5AD-CE86AB802485}" type="datetimeFigureOut">
               <a:rPr lang="en-US" smtClean="0"/>
-              <a:t>11/13/2019</a:t>
+              <a:t>11/15/2019</a:t>
             </a:fld>
             <a:endParaRPr lang="en-US"/>
           </a:p>
@@ -2776,7 +2776,7 @@
           <a:p>
             <a:fld id="{1B52E0E1-344B-4E26-B5AD-CE86AB802485}" type="datetimeFigureOut">
               <a:rPr lang="en-US" smtClean="0"/>
-              <a:t>11/13/2019</a:t>
+              <a:t>11/15/2019</a:t>
             </a:fld>
             <a:endParaRPr lang="en-US"/>
           </a:p>
@@ -3087,7 +3087,7 @@
           <a:p>
             <a:fld id="{1B52E0E1-344B-4E26-B5AD-CE86AB802485}" type="datetimeFigureOut">
               <a:rPr lang="en-US" smtClean="0"/>
-              <a:t>11/13/2019</a:t>
+              <a:t>11/15/2019</a:t>
             </a:fld>
             <a:endParaRPr lang="en-US"/>
           </a:p>
@@ -3375,7 +3375,7 @@
           <a:p>
             <a:fld id="{1B52E0E1-344B-4E26-B5AD-CE86AB802485}" type="datetimeFigureOut">
               <a:rPr lang="en-US" smtClean="0"/>
-              <a:t>11/13/2019</a:t>
+              <a:t>11/15/2019</a:t>
             </a:fld>
             <a:endParaRPr lang="en-US"/>
           </a:p>
@@ -3616,7 +3616,7 @@
           <a:p>
             <a:fld id="{1B52E0E1-344B-4E26-B5AD-CE86AB802485}" type="datetimeFigureOut">
               <a:rPr lang="en-US" smtClean="0"/>
-              <a:t>11/13/2019</a:t>
+              <a:t>11/15/2019</a:t>
             </a:fld>
             <a:endParaRPr lang="en-US"/>
           </a:p>
@@ -4283,7 +4283,7 @@
           <a:graphicData uri="http://schemas.openxmlformats.org/presentationml/2006/ole">
             <mc:AlternateContent xmlns:mc="http://schemas.openxmlformats.org/markup-compatibility/2006">
               <mc:Choice xmlns:v="urn:schemas-microsoft-com:vml" Requires="v">
-                <p:oleObj spid="_x0000_s1027" name="Worksheet" r:id="rId3" imgW="6372258" imgH="6677005" progId="Excel.Sheet.12">
+                <p:oleObj spid="_x0000_s1029" name="Worksheet" r:id="rId3" imgW="6372258" imgH="6677005" progId="Excel.Sheet.12">
                   <p:embed/>
                 </p:oleObj>
               </mc:Choice>
@@ -4667,8 +4667,13 @@
             </a:pPr>
             <a:r>
               <a:rPr lang="en-US" sz="3600" dirty="0"/>
-              <a:t>Sprint 6 Q&amp;A</a:t>
-            </a:r>
+              <a:t>Sprint 6 Q</a:t>
+            </a:r>
+            <a:r>
+              <a:rPr lang="en-US" sz="3600"/>
+              <a:t>&amp;A</a:t>
+            </a:r>
+            <a:endParaRPr lang="en-US" sz="3600" dirty="0"/>
           </a:p>
         </p:txBody>
       </p:sp>
